--- a/Sprint/Term2_DeepLearning/Sprint16/Sprint16_論文紹介.pptx
+++ b/Sprint/Term2_DeepLearning/Sprint16/Sprint16_論文紹介.pptx
@@ -5,14 +5,15 @@
     <p:sldMasterId id="2147483648" r:id="rId1"/>
   </p:sldMasterIdLst>
   <p:notesMasterIdLst>
-    <p:notesMasterId r:id="rId7"/>
+    <p:notesMasterId r:id="rId8"/>
   </p:notesMasterIdLst>
   <p:sldIdLst>
     <p:sldId id="256" r:id="rId2"/>
     <p:sldId id="258" r:id="rId3"/>
     <p:sldId id="263" r:id="rId4"/>
     <p:sldId id="264" r:id="rId5"/>
-    <p:sldId id="265" r:id="rId6"/>
+    <p:sldId id="266" r:id="rId6"/>
+    <p:sldId id="265" r:id="rId7"/>
   </p:sldIdLst>
   <p:sldSz cx="12192000" cy="6858000"/>
   <p:notesSz cx="6858000" cy="9144000"/>
@@ -891,7 +892,7 @@
               <a:buSzPts val="1100"/>
               <a:buNone/>
             </a:pPr>
-            <a:endParaRPr/>
+            <a:endParaRPr dirty="0"/>
           </a:p>
         </p:txBody>
       </p:sp>
@@ -1331,6 +1332,133 @@
 </file>
 
 <file path=ppt/notesSlides/notesSlide5.xml><?xml version="1.0" encoding="utf-8"?>
+<p:notes xmlns:a="http://schemas.openxmlformats.org/drawingml/2006/main" xmlns:r="http://schemas.openxmlformats.org/officeDocument/2006/relationships" xmlns:p="http://schemas.openxmlformats.org/presentationml/2006/main" showMasterSp="0" showMasterPhAnim="0">
+  <p:cSld>
+    <p:spTree>
+      <p:nvGrpSpPr>
+        <p:cNvPr id="1" name="Shape 90"/>
+        <p:cNvGrpSpPr/>
+        <p:nvPr/>
+      </p:nvGrpSpPr>
+      <p:grpSpPr>
+        <a:xfrm>
+          <a:off x="0" y="0"/>
+          <a:ext cx="0" cy="0"/>
+          <a:chOff x="0" y="0"/>
+          <a:chExt cx="0" cy="0"/>
+        </a:xfrm>
+      </p:grpSpPr>
+      <p:sp>
+        <p:nvSpPr>
+          <p:cNvPr id="91" name="Google Shape;91;g62b903b8ea_0_60:notes"/>
+          <p:cNvSpPr txBox="1">
+            <a:spLocks noGrp="1"/>
+          </p:cNvSpPr>
+          <p:nvPr>
+            <p:ph type="body" idx="1"/>
+          </p:nvPr>
+        </p:nvSpPr>
+        <p:spPr>
+          <a:xfrm>
+            <a:off x="685800" y="4343400"/>
+            <a:ext cx="5486400" cy="4114800"/>
+          </a:xfrm>
+          <a:prstGeom prst="rect">
+            <a:avLst/>
+          </a:prstGeom>
+          <a:noFill/>
+          <a:ln>
+            <a:noFill/>
+          </a:ln>
+        </p:spPr>
+        <p:txBody>
+          <a:bodyPr spcFirstLastPara="1" wrap="square" lIns="91425" tIns="91425" rIns="91425" bIns="91425" anchor="t" anchorCtr="0">
+            <a:noAutofit/>
+          </a:bodyPr>
+          <a:lstStyle/>
+          <a:p>
+            <a:pPr marL="0" lvl="0" indent="0" algn="l" rtl="0">
+              <a:lnSpc>
+                <a:spcPct val="100000"/>
+              </a:lnSpc>
+              <a:spcBef>
+                <a:spcPts val="0"/>
+              </a:spcBef>
+              <a:spcAft>
+                <a:spcPts val="0"/>
+              </a:spcAft>
+              <a:buSzPts val="1100"/>
+              <a:buNone/>
+            </a:pPr>
+            <a:endParaRPr/>
+          </a:p>
+        </p:txBody>
+      </p:sp>
+      <p:sp>
+        <p:nvSpPr>
+          <p:cNvPr id="92" name="Google Shape;92;g62b903b8ea_0_60:notes"/>
+          <p:cNvSpPr>
+            <a:spLocks noGrp="1" noRot="1" noChangeAspect="1"/>
+          </p:cNvSpPr>
+          <p:nvPr>
+            <p:ph type="sldImg" idx="2"/>
+          </p:nvPr>
+        </p:nvSpPr>
+        <p:spPr>
+          <a:xfrm>
+            <a:off x="381000" y="685800"/>
+            <a:ext cx="6096000" cy="3429000"/>
+          </a:xfrm>
+          <a:custGeom>
+            <a:avLst/>
+            <a:gdLst/>
+            <a:ahLst/>
+            <a:cxnLst/>
+            <a:rect l="l" t="t" r="r" b="b"/>
+            <a:pathLst>
+              <a:path w="120000" h="120000" extrusionOk="0">
+                <a:moveTo>
+                  <a:pt x="0" y="0"/>
+                </a:moveTo>
+                <a:lnTo>
+                  <a:pt x="120000" y="0"/>
+                </a:lnTo>
+                <a:lnTo>
+                  <a:pt x="120000" y="120000"/>
+                </a:lnTo>
+                <a:lnTo>
+                  <a:pt x="0" y="120000"/>
+                </a:lnTo>
+                <a:close/>
+              </a:path>
+            </a:pathLst>
+          </a:custGeom>
+          <a:noFill/>
+          <a:ln w="9525" cap="flat" cmpd="sng">
+            <a:solidFill>
+              <a:srgbClr val="000000"/>
+            </a:solidFill>
+            <a:prstDash val="solid"/>
+            <a:round/>
+            <a:headEnd type="none" w="sm" len="sm"/>
+            <a:tailEnd type="none" w="sm" len="sm"/>
+          </a:ln>
+        </p:spPr>
+      </p:sp>
+    </p:spTree>
+    <p:extLst>
+      <p:ext uri="{BB962C8B-B14F-4D97-AF65-F5344CB8AC3E}">
+        <p14:creationId xmlns:p14="http://schemas.microsoft.com/office/powerpoint/2010/main" val="1523242533"/>
+      </p:ext>
+    </p:extLst>
+  </p:cSld>
+  <p:clrMapOvr>
+    <a:masterClrMapping/>
+  </p:clrMapOvr>
+</p:notes>
+</file>
+
+<file path=ppt/notesSlides/notesSlide6.xml><?xml version="1.0" encoding="utf-8"?>
 <p:notes xmlns:a="http://schemas.openxmlformats.org/drawingml/2006/main" xmlns:r="http://schemas.openxmlformats.org/officeDocument/2006/relationships" xmlns:p="http://schemas.openxmlformats.org/presentationml/2006/main" showMasterSp="0" showMasterPhAnim="0">
   <p:cSld>
     <p:spTree>
@@ -21523,6 +21651,1585 @@
     </p:spTree>
     <p:extLst>
       <p:ext uri="{BB962C8B-B14F-4D97-AF65-F5344CB8AC3E}">
+        <p14:creationId xmlns:p14="http://schemas.microsoft.com/office/powerpoint/2010/main" val="1698886692"/>
+      </p:ext>
+    </p:extLst>
+  </p:cSld>
+  <p:clrMapOvr>
+    <a:masterClrMapping/>
+  </p:clrMapOvr>
+</p:sld>
+</file>
+
+<file path=ppt/slides/slide6.xml><?xml version="1.0" encoding="utf-8"?>
+<p:sld xmlns:a="http://schemas.openxmlformats.org/drawingml/2006/main" xmlns:r="http://schemas.openxmlformats.org/officeDocument/2006/relationships" xmlns:p="http://schemas.openxmlformats.org/presentationml/2006/main">
+  <p:cSld>
+    <p:spTree>
+      <p:nvGrpSpPr>
+        <p:cNvPr id="1" name="Shape 93"/>
+        <p:cNvGrpSpPr/>
+        <p:nvPr/>
+      </p:nvGrpSpPr>
+      <p:grpSpPr>
+        <a:xfrm>
+          <a:off x="0" y="0"/>
+          <a:ext cx="0" cy="0"/>
+          <a:chOff x="0" y="0"/>
+          <a:chExt cx="0" cy="0"/>
+        </a:xfrm>
+      </p:grpSpPr>
+      <p:sp>
+        <p:nvSpPr>
+          <p:cNvPr id="94" name="Google Shape;94;g62b903b8ea_0_60"/>
+          <p:cNvSpPr/>
+          <p:nvPr/>
+        </p:nvSpPr>
+        <p:spPr>
+          <a:xfrm>
+            <a:off x="304797" y="1737922"/>
+            <a:ext cx="5420700" cy="604800"/>
+          </a:xfrm>
+          <a:prstGeom prst="roundRect">
+            <a:avLst>
+              <a:gd name="adj" fmla="val 16667"/>
+            </a:avLst>
+          </a:prstGeom>
+          <a:solidFill>
+            <a:schemeClr val="lt1"/>
+          </a:solidFill>
+          <a:ln w="12700" cap="flat" cmpd="sng">
+            <a:solidFill>
+              <a:schemeClr val="accent3"/>
+            </a:solidFill>
+            <a:prstDash val="solid"/>
+            <a:miter lim="800000"/>
+            <a:headEnd type="none" w="sm" len="sm"/>
+            <a:tailEnd type="none" w="sm" len="sm"/>
+          </a:ln>
+        </p:spPr>
+        <p:txBody>
+          <a:bodyPr spcFirstLastPara="1" wrap="square" lIns="91425" tIns="45700" rIns="91425" bIns="45700" anchor="ctr" anchorCtr="0">
+            <a:noAutofit/>
+          </a:bodyPr>
+          <a:lstStyle/>
+          <a:p>
+            <a:pPr marL="0" marR="0" lvl="0" indent="0" algn="ctr" rtl="0">
+              <a:lnSpc>
+                <a:spcPct val="100000"/>
+              </a:lnSpc>
+              <a:spcBef>
+                <a:spcPts val="0"/>
+              </a:spcBef>
+              <a:spcAft>
+                <a:spcPts val="0"/>
+              </a:spcAft>
+              <a:buClr>
+                <a:srgbClr val="000000"/>
+              </a:buClr>
+              <a:buSzPts val="1800"/>
+              <a:buFont typeface="Arial"/>
+              <a:buNone/>
+            </a:pPr>
+            <a:r>
+              <a:rPr lang="en-US" sz="1800" b="0" i="0" u="none" strike="noStrike" cap="none">
+                <a:solidFill>
+                  <a:schemeClr val="dk1"/>
+                </a:solidFill>
+                <a:latin typeface="Calibri"/>
+                <a:ea typeface="Calibri"/>
+                <a:cs typeface="Calibri"/>
+                <a:sym typeface="Calibri"/>
+              </a:rPr>
+              <a:t>どんなもの？</a:t>
+            </a:r>
+            <a:endParaRPr sz="1800" b="0" i="0" u="none" strike="noStrike" cap="none">
+              <a:solidFill>
+                <a:schemeClr val="dk1"/>
+              </a:solidFill>
+              <a:latin typeface="Calibri"/>
+              <a:ea typeface="Calibri"/>
+              <a:cs typeface="Calibri"/>
+              <a:sym typeface="Calibri"/>
+            </a:endParaRPr>
+          </a:p>
+        </p:txBody>
+      </p:sp>
+      <p:sp>
+        <p:nvSpPr>
+          <p:cNvPr id="95" name="Google Shape;95;g62b903b8ea_0_60"/>
+          <p:cNvSpPr/>
+          <p:nvPr/>
+        </p:nvSpPr>
+        <p:spPr>
+          <a:xfrm>
+            <a:off x="6463549" y="3435062"/>
+            <a:ext cx="5420700" cy="604800"/>
+          </a:xfrm>
+          <a:prstGeom prst="roundRect">
+            <a:avLst>
+              <a:gd name="adj" fmla="val 16667"/>
+            </a:avLst>
+          </a:prstGeom>
+          <a:solidFill>
+            <a:schemeClr val="lt1"/>
+          </a:solidFill>
+          <a:ln w="12700" cap="flat" cmpd="sng">
+            <a:solidFill>
+              <a:schemeClr val="accent3"/>
+            </a:solidFill>
+            <a:prstDash val="solid"/>
+            <a:miter lim="800000"/>
+            <a:headEnd type="none" w="sm" len="sm"/>
+            <a:tailEnd type="none" w="sm" len="sm"/>
+          </a:ln>
+        </p:spPr>
+        <p:txBody>
+          <a:bodyPr spcFirstLastPara="1" wrap="square" lIns="91425" tIns="45700" rIns="91425" bIns="45700" anchor="ctr" anchorCtr="0">
+            <a:noAutofit/>
+          </a:bodyPr>
+          <a:lstStyle/>
+          <a:p>
+            <a:pPr marL="0" marR="0" lvl="0" indent="0" algn="ctr" rtl="0">
+              <a:lnSpc>
+                <a:spcPct val="100000"/>
+              </a:lnSpc>
+              <a:spcBef>
+                <a:spcPts val="0"/>
+              </a:spcBef>
+              <a:spcAft>
+                <a:spcPts val="0"/>
+              </a:spcAft>
+              <a:buClr>
+                <a:srgbClr val="000000"/>
+              </a:buClr>
+              <a:buSzPts val="1800"/>
+              <a:buFont typeface="Arial"/>
+              <a:buNone/>
+            </a:pPr>
+            <a:r>
+              <a:rPr lang="en-US" sz="1800" b="0" i="0" u="none" strike="noStrike" cap="none">
+                <a:solidFill>
+                  <a:schemeClr val="dk1"/>
+                </a:solidFill>
+                <a:latin typeface="Calibri"/>
+                <a:ea typeface="Calibri"/>
+                <a:cs typeface="Calibri"/>
+                <a:sym typeface="Calibri"/>
+              </a:rPr>
+              <a:t>先行研究と比べて何がすごい？</a:t>
+            </a:r>
+            <a:endParaRPr sz="1800" b="0" i="0" u="none" strike="noStrike" cap="none">
+              <a:solidFill>
+                <a:schemeClr val="dk1"/>
+              </a:solidFill>
+              <a:latin typeface="Calibri"/>
+              <a:ea typeface="Calibri"/>
+              <a:cs typeface="Calibri"/>
+              <a:sym typeface="Calibri"/>
+            </a:endParaRPr>
+          </a:p>
+        </p:txBody>
+      </p:sp>
+      <p:sp>
+        <p:nvSpPr>
+          <p:cNvPr id="96" name="Google Shape;96;g62b903b8ea_0_60"/>
+          <p:cNvSpPr/>
+          <p:nvPr/>
+        </p:nvSpPr>
+        <p:spPr>
+          <a:xfrm>
+            <a:off x="304791" y="5168812"/>
+            <a:ext cx="5420700" cy="604800"/>
+          </a:xfrm>
+          <a:prstGeom prst="roundRect">
+            <a:avLst>
+              <a:gd name="adj" fmla="val 16667"/>
+            </a:avLst>
+          </a:prstGeom>
+          <a:solidFill>
+            <a:schemeClr val="lt1"/>
+          </a:solidFill>
+          <a:ln w="12700" cap="flat" cmpd="sng">
+            <a:solidFill>
+              <a:schemeClr val="accent3"/>
+            </a:solidFill>
+            <a:prstDash val="solid"/>
+            <a:miter lim="800000"/>
+            <a:headEnd type="none" w="sm" len="sm"/>
+            <a:tailEnd type="none" w="sm" len="sm"/>
+          </a:ln>
+        </p:spPr>
+        <p:txBody>
+          <a:bodyPr spcFirstLastPara="1" wrap="square" lIns="91425" tIns="45700" rIns="91425" bIns="45700" anchor="ctr" anchorCtr="0">
+            <a:noAutofit/>
+          </a:bodyPr>
+          <a:lstStyle/>
+          <a:p>
+            <a:pPr marL="0" marR="0" lvl="0" indent="0" algn="ctr" rtl="0">
+              <a:lnSpc>
+                <a:spcPct val="100000"/>
+              </a:lnSpc>
+              <a:spcBef>
+                <a:spcPts val="0"/>
+              </a:spcBef>
+              <a:spcAft>
+                <a:spcPts val="0"/>
+              </a:spcAft>
+              <a:buClr>
+                <a:srgbClr val="000000"/>
+              </a:buClr>
+              <a:buSzPts val="1800"/>
+              <a:buFont typeface="Arial"/>
+              <a:buNone/>
+            </a:pPr>
+            <a:r>
+              <a:rPr lang="en-US" sz="1800" b="0" i="0" u="none" strike="noStrike" cap="none">
+                <a:solidFill>
+                  <a:schemeClr val="dk1"/>
+                </a:solidFill>
+                <a:latin typeface="Calibri"/>
+                <a:ea typeface="Calibri"/>
+                <a:cs typeface="Calibri"/>
+                <a:sym typeface="Calibri"/>
+              </a:rPr>
+              <a:t>技術の手法や肝は？</a:t>
+            </a:r>
+            <a:endParaRPr sz="1800" b="0" i="0" u="none" strike="noStrike" cap="none">
+              <a:solidFill>
+                <a:schemeClr val="dk1"/>
+              </a:solidFill>
+              <a:latin typeface="Calibri"/>
+              <a:ea typeface="Calibri"/>
+              <a:cs typeface="Calibri"/>
+              <a:sym typeface="Calibri"/>
+            </a:endParaRPr>
+          </a:p>
+        </p:txBody>
+      </p:sp>
+      <p:sp>
+        <p:nvSpPr>
+          <p:cNvPr id="97" name="Google Shape;97;g62b903b8ea_0_60"/>
+          <p:cNvSpPr/>
+          <p:nvPr/>
+        </p:nvSpPr>
+        <p:spPr>
+          <a:xfrm>
+            <a:off x="6463549" y="1734431"/>
+            <a:ext cx="5420700" cy="604800"/>
+          </a:xfrm>
+          <a:prstGeom prst="roundRect">
+            <a:avLst>
+              <a:gd name="adj" fmla="val 16667"/>
+            </a:avLst>
+          </a:prstGeom>
+          <a:solidFill>
+            <a:schemeClr val="lt1"/>
+          </a:solidFill>
+          <a:ln w="12700" cap="flat" cmpd="sng">
+            <a:solidFill>
+              <a:schemeClr val="accent3"/>
+            </a:solidFill>
+            <a:prstDash val="solid"/>
+            <a:miter lim="800000"/>
+            <a:headEnd type="none" w="sm" len="sm"/>
+            <a:tailEnd type="none" w="sm" len="sm"/>
+          </a:ln>
+        </p:spPr>
+        <p:txBody>
+          <a:bodyPr spcFirstLastPara="1" wrap="square" lIns="91425" tIns="45700" rIns="91425" bIns="45700" anchor="ctr" anchorCtr="0">
+            <a:noAutofit/>
+          </a:bodyPr>
+          <a:lstStyle/>
+          <a:p>
+            <a:pPr marL="0" marR="0" lvl="0" indent="0" algn="ctr" rtl="0">
+              <a:lnSpc>
+                <a:spcPct val="100000"/>
+              </a:lnSpc>
+              <a:spcBef>
+                <a:spcPts val="0"/>
+              </a:spcBef>
+              <a:spcAft>
+                <a:spcPts val="0"/>
+              </a:spcAft>
+              <a:buClr>
+                <a:srgbClr val="000000"/>
+              </a:buClr>
+              <a:buSzPts val="1800"/>
+              <a:buFont typeface="Arial"/>
+              <a:buNone/>
+            </a:pPr>
+            <a:r>
+              <a:rPr lang="en-US" sz="1800" b="0" i="0" u="none" strike="noStrike" cap="none">
+                <a:solidFill>
+                  <a:schemeClr val="dk1"/>
+                </a:solidFill>
+                <a:latin typeface="Calibri"/>
+                <a:ea typeface="Calibri"/>
+                <a:cs typeface="Calibri"/>
+                <a:sym typeface="Calibri"/>
+              </a:rPr>
+              <a:t>議論はある？</a:t>
+            </a:r>
+            <a:endParaRPr sz="1800" b="0" i="0" u="none" strike="noStrike" cap="none">
+              <a:solidFill>
+                <a:schemeClr val="dk1"/>
+              </a:solidFill>
+              <a:latin typeface="Calibri"/>
+              <a:ea typeface="Calibri"/>
+              <a:cs typeface="Calibri"/>
+              <a:sym typeface="Calibri"/>
+            </a:endParaRPr>
+          </a:p>
+        </p:txBody>
+      </p:sp>
+      <p:sp>
+        <p:nvSpPr>
+          <p:cNvPr id="98" name="Google Shape;98;g62b903b8ea_0_60"/>
+          <p:cNvSpPr/>
+          <p:nvPr/>
+        </p:nvSpPr>
+        <p:spPr>
+          <a:xfrm>
+            <a:off x="270738" y="3451581"/>
+            <a:ext cx="5454600" cy="604800"/>
+          </a:xfrm>
+          <a:prstGeom prst="roundRect">
+            <a:avLst>
+              <a:gd name="adj" fmla="val 16667"/>
+            </a:avLst>
+          </a:prstGeom>
+          <a:solidFill>
+            <a:schemeClr val="lt1"/>
+          </a:solidFill>
+          <a:ln w="12700" cap="flat" cmpd="sng">
+            <a:solidFill>
+              <a:schemeClr val="accent3"/>
+            </a:solidFill>
+            <a:prstDash val="solid"/>
+            <a:miter lim="800000"/>
+            <a:headEnd type="none" w="sm" len="sm"/>
+            <a:tailEnd type="none" w="sm" len="sm"/>
+          </a:ln>
+        </p:spPr>
+        <p:txBody>
+          <a:bodyPr spcFirstLastPara="1" wrap="square" lIns="91425" tIns="45700" rIns="91425" bIns="45700" anchor="ctr" anchorCtr="0">
+            <a:noAutofit/>
+          </a:bodyPr>
+          <a:lstStyle/>
+          <a:p>
+            <a:pPr marL="0" marR="0" lvl="0" indent="0" algn="ctr" rtl="0">
+              <a:lnSpc>
+                <a:spcPct val="100000"/>
+              </a:lnSpc>
+              <a:spcBef>
+                <a:spcPts val="0"/>
+              </a:spcBef>
+              <a:spcAft>
+                <a:spcPts val="0"/>
+              </a:spcAft>
+              <a:buClr>
+                <a:srgbClr val="000000"/>
+              </a:buClr>
+              <a:buSzPts val="1800"/>
+              <a:buFont typeface="Arial"/>
+              <a:buNone/>
+            </a:pPr>
+            <a:r>
+              <a:rPr lang="en-US" sz="1800" b="0" i="0" u="none" strike="noStrike" cap="none" dirty="0" err="1">
+                <a:solidFill>
+                  <a:schemeClr val="dk1"/>
+                </a:solidFill>
+                <a:latin typeface="Calibri"/>
+                <a:ea typeface="Calibri"/>
+                <a:cs typeface="Calibri"/>
+                <a:sym typeface="Calibri"/>
+              </a:rPr>
+              <a:t>どうやって有効だと検証した</a:t>
+            </a:r>
+            <a:r>
+              <a:rPr lang="en-US" sz="1800" b="0" i="0" u="none" strike="noStrike" cap="none" dirty="0">
+                <a:solidFill>
+                  <a:schemeClr val="dk1"/>
+                </a:solidFill>
+                <a:latin typeface="Calibri"/>
+                <a:ea typeface="Calibri"/>
+                <a:cs typeface="Calibri"/>
+                <a:sym typeface="Calibri"/>
+              </a:rPr>
+              <a:t>？</a:t>
+            </a:r>
+            <a:endParaRPr sz="1800" b="0" i="0" u="none" strike="noStrike" cap="none" dirty="0">
+              <a:solidFill>
+                <a:schemeClr val="dk1"/>
+              </a:solidFill>
+              <a:latin typeface="Calibri"/>
+              <a:ea typeface="Calibri"/>
+              <a:cs typeface="Calibri"/>
+              <a:sym typeface="Calibri"/>
+            </a:endParaRPr>
+          </a:p>
+        </p:txBody>
+      </p:sp>
+      <p:sp>
+        <p:nvSpPr>
+          <p:cNvPr id="99" name="Google Shape;99;g62b903b8ea_0_60"/>
+          <p:cNvSpPr/>
+          <p:nvPr/>
+        </p:nvSpPr>
+        <p:spPr>
+          <a:xfrm>
+            <a:off x="6463551" y="5168812"/>
+            <a:ext cx="5420700" cy="604800"/>
+          </a:xfrm>
+          <a:prstGeom prst="roundRect">
+            <a:avLst>
+              <a:gd name="adj" fmla="val 16667"/>
+            </a:avLst>
+          </a:prstGeom>
+          <a:solidFill>
+            <a:schemeClr val="lt1"/>
+          </a:solidFill>
+          <a:ln w="12700" cap="flat" cmpd="sng">
+            <a:solidFill>
+              <a:schemeClr val="accent3"/>
+            </a:solidFill>
+            <a:prstDash val="solid"/>
+            <a:miter lim="800000"/>
+            <a:headEnd type="none" w="sm" len="sm"/>
+            <a:tailEnd type="none" w="sm" len="sm"/>
+          </a:ln>
+        </p:spPr>
+        <p:txBody>
+          <a:bodyPr spcFirstLastPara="1" wrap="square" lIns="91425" tIns="45700" rIns="91425" bIns="45700" anchor="ctr" anchorCtr="0">
+            <a:noAutofit/>
+          </a:bodyPr>
+          <a:lstStyle/>
+          <a:p>
+            <a:pPr marL="0" marR="0" lvl="0" indent="0" algn="ctr" rtl="0">
+              <a:lnSpc>
+                <a:spcPct val="100000"/>
+              </a:lnSpc>
+              <a:spcBef>
+                <a:spcPts val="0"/>
+              </a:spcBef>
+              <a:spcAft>
+                <a:spcPts val="0"/>
+              </a:spcAft>
+              <a:buClr>
+                <a:srgbClr val="000000"/>
+              </a:buClr>
+              <a:buSzPts val="1800"/>
+              <a:buFont typeface="Arial"/>
+              <a:buNone/>
+            </a:pPr>
+            <a:r>
+              <a:rPr lang="en-US" sz="1800" b="0" i="0" u="none" strike="noStrike" cap="none">
+                <a:solidFill>
+                  <a:schemeClr val="dk1"/>
+                </a:solidFill>
+                <a:latin typeface="Calibri"/>
+                <a:ea typeface="Calibri"/>
+                <a:cs typeface="Calibri"/>
+                <a:sym typeface="Calibri"/>
+              </a:rPr>
+              <a:t>次に読むべき論文は？</a:t>
+            </a:r>
+            <a:endParaRPr sz="1800" b="0" i="0" u="none" strike="noStrike" cap="none">
+              <a:solidFill>
+                <a:schemeClr val="dk1"/>
+              </a:solidFill>
+              <a:latin typeface="Calibri"/>
+              <a:ea typeface="Calibri"/>
+              <a:cs typeface="Calibri"/>
+              <a:sym typeface="Calibri"/>
+            </a:endParaRPr>
+          </a:p>
+        </p:txBody>
+      </p:sp>
+      <p:pic>
+        <p:nvPicPr>
+          <p:cNvPr id="100" name="Google Shape;100;g62b903b8ea_0_60"/>
+          <p:cNvPicPr preferRelativeResize="0"/>
+          <p:nvPr/>
+        </p:nvPicPr>
+        <p:blipFill rotWithShape="1">
+          <a:blip r:embed="rId3">
+            <a:alphaModFix/>
+          </a:blip>
+          <a:srcRect/>
+          <a:stretch/>
+        </p:blipFill>
+        <p:spPr>
+          <a:xfrm>
+            <a:off x="1" y="0"/>
+            <a:ext cx="12191999" cy="1618117"/>
+          </a:xfrm>
+          <a:prstGeom prst="rect">
+            <a:avLst/>
+          </a:prstGeom>
+          <a:noFill/>
+          <a:ln>
+            <a:noFill/>
+          </a:ln>
+        </p:spPr>
+      </p:pic>
+      <p:sp>
+        <p:nvSpPr>
+          <p:cNvPr id="101" name="Google Shape;101;g62b903b8ea_0_60"/>
+          <p:cNvSpPr txBox="1"/>
+          <p:nvPr/>
+        </p:nvSpPr>
+        <p:spPr>
+          <a:xfrm>
+            <a:off x="6463548" y="5870152"/>
+            <a:ext cx="5420700" cy="900300"/>
+          </a:xfrm>
+          <a:prstGeom prst="rect">
+            <a:avLst/>
+          </a:prstGeom>
+          <a:noFill/>
+          <a:ln>
+            <a:noFill/>
+          </a:ln>
+        </p:spPr>
+        <p:txBody>
+          <a:bodyPr spcFirstLastPara="1" wrap="square" lIns="91425" tIns="45700" rIns="91425" bIns="45700" anchor="t" anchorCtr="0">
+            <a:noAutofit/>
+          </a:bodyPr>
+          <a:lstStyle/>
+          <a:p>
+            <a:pPr marL="171450" lvl="0" indent="-171450">
+              <a:buSzPts val="1050"/>
+              <a:buFont typeface="Arial" panose="020B0604020202020204" pitchFamily="34" charset="0"/>
+              <a:buChar char="•"/>
+            </a:pPr>
+            <a:r>
+              <a:rPr lang="en-US" sz="1050" b="0" i="0" u="none" strike="noStrike" cap="none" dirty="0" err="1">
+                <a:solidFill>
+                  <a:schemeClr val="dk1"/>
+                </a:solidFill>
+                <a:latin typeface="Calibri"/>
+                <a:ea typeface="Calibri"/>
+                <a:cs typeface="Calibri"/>
+                <a:sym typeface="Calibri"/>
+              </a:rPr>
+              <a:t>画像セグメンテーションで直近の研究論文を確認</a:t>
+            </a:r>
+            <a:br>
+              <a:rPr lang="en-US" sz="1050" b="0" i="0" u="none" strike="noStrike" cap="none" dirty="0">
+                <a:solidFill>
+                  <a:schemeClr val="dk1"/>
+                </a:solidFill>
+                <a:latin typeface="Calibri"/>
+                <a:ea typeface="Calibri"/>
+                <a:cs typeface="Calibri"/>
+                <a:sym typeface="Calibri"/>
+              </a:rPr>
+            </a:br>
+            <a:endParaRPr sz="1050" b="0" i="0" u="none" strike="noStrike" cap="none" dirty="0">
+              <a:solidFill>
+                <a:schemeClr val="dk1"/>
+              </a:solidFill>
+              <a:latin typeface="Calibri"/>
+              <a:ea typeface="Calibri"/>
+              <a:cs typeface="Calibri"/>
+              <a:sym typeface="Calibri"/>
+            </a:endParaRPr>
+          </a:p>
+        </p:txBody>
+      </p:sp>
+      <p:sp>
+        <p:nvSpPr>
+          <p:cNvPr id="102" name="Google Shape;102;g62b903b8ea_0_60"/>
+          <p:cNvSpPr txBox="1"/>
+          <p:nvPr/>
+        </p:nvSpPr>
+        <p:spPr>
+          <a:xfrm>
+            <a:off x="6463549" y="2438161"/>
+            <a:ext cx="5420700" cy="900300"/>
+          </a:xfrm>
+          <a:prstGeom prst="rect">
+            <a:avLst/>
+          </a:prstGeom>
+          <a:noFill/>
+          <a:ln>
+            <a:noFill/>
+          </a:ln>
+        </p:spPr>
+        <p:txBody>
+          <a:bodyPr spcFirstLastPara="1" wrap="square" lIns="91425" tIns="45700" rIns="91425" bIns="45700" anchor="t" anchorCtr="0">
+            <a:noAutofit/>
+          </a:bodyPr>
+          <a:lstStyle/>
+          <a:p>
+            <a:pPr marL="171450" lvl="0" indent="-171450">
+              <a:buSzPts val="1050"/>
+              <a:buFont typeface="Arial" panose="020B0604020202020204" pitchFamily="34" charset="0"/>
+              <a:buChar char="•"/>
+            </a:pPr>
+            <a:r>
+              <a:rPr lang="en-US" sz="1050" b="0" i="0" u="none" strike="noStrike" cap="none" dirty="0" err="1">
+                <a:solidFill>
+                  <a:schemeClr val="dk1"/>
+                </a:solidFill>
+                <a:latin typeface="Calibri"/>
+                <a:ea typeface="Calibri"/>
+                <a:cs typeface="Calibri"/>
+                <a:sym typeface="Calibri"/>
+              </a:rPr>
+              <a:t>特になし</a:t>
+            </a:r>
+            <a:br>
+              <a:rPr lang="en-US" sz="1050" b="0" i="0" u="none" strike="noStrike" cap="none" dirty="0">
+                <a:solidFill>
+                  <a:schemeClr val="dk1"/>
+                </a:solidFill>
+                <a:latin typeface="Calibri"/>
+                <a:ea typeface="Calibri"/>
+                <a:cs typeface="Calibri"/>
+                <a:sym typeface="Calibri"/>
+              </a:rPr>
+            </a:br>
+            <a:endParaRPr sz="1050" b="0" i="0" u="none" strike="noStrike" cap="none" dirty="0">
+              <a:solidFill>
+                <a:schemeClr val="dk1"/>
+              </a:solidFill>
+              <a:latin typeface="Calibri"/>
+              <a:ea typeface="Calibri"/>
+              <a:cs typeface="Calibri"/>
+              <a:sym typeface="Calibri"/>
+            </a:endParaRPr>
+          </a:p>
+        </p:txBody>
+      </p:sp>
+      <p:sp>
+        <p:nvSpPr>
+          <p:cNvPr id="103" name="Google Shape;103;g62b903b8ea_0_60"/>
+          <p:cNvSpPr txBox="1"/>
+          <p:nvPr/>
+        </p:nvSpPr>
+        <p:spPr>
+          <a:xfrm>
+            <a:off x="270738" y="4159920"/>
+            <a:ext cx="5420700" cy="900300"/>
+          </a:xfrm>
+          <a:prstGeom prst="rect">
+            <a:avLst/>
+          </a:prstGeom>
+          <a:noFill/>
+          <a:ln>
+            <a:noFill/>
+          </a:ln>
+        </p:spPr>
+        <p:txBody>
+          <a:bodyPr spcFirstLastPara="1" wrap="square" lIns="91425" tIns="45700" rIns="91425" bIns="45700" anchor="t" anchorCtr="0">
+            <a:noAutofit/>
+          </a:bodyPr>
+          <a:lstStyle/>
+          <a:p>
+            <a:pPr marL="171450" lvl="0" indent="-171450">
+              <a:buSzPts val="1050"/>
+              <a:buFont typeface="Arial" panose="020B0604020202020204" pitchFamily="34" charset="0"/>
+              <a:buChar char="•"/>
+            </a:pPr>
+            <a:r>
+              <a:rPr lang="en-US" sz="1050" b="0" i="0" u="none" strike="noStrike" cap="none" dirty="0">
+                <a:solidFill>
+                  <a:schemeClr val="dk1"/>
+                </a:solidFill>
+                <a:latin typeface="Calibri"/>
+                <a:ea typeface="Calibri"/>
+                <a:cs typeface="Calibri"/>
+                <a:sym typeface="Calibri"/>
+              </a:rPr>
+              <a:t>3つの異なるセグメーテーションタスクで従来の手法と比較して検証</a:t>
+            </a:r>
+            <a:br>
+              <a:rPr lang="en-US" sz="1050" b="0" i="0" u="none" strike="noStrike" cap="none" dirty="0">
+                <a:solidFill>
+                  <a:schemeClr val="dk1"/>
+                </a:solidFill>
+                <a:latin typeface="Calibri"/>
+                <a:ea typeface="Calibri"/>
+                <a:cs typeface="Calibri"/>
+                <a:sym typeface="Calibri"/>
+              </a:rPr>
+            </a:br>
+            <a:br>
+              <a:rPr lang="en-US" sz="1050" b="0" i="0" u="none" strike="noStrike" cap="none" dirty="0">
+                <a:solidFill>
+                  <a:schemeClr val="dk1"/>
+                </a:solidFill>
+                <a:latin typeface="Calibri"/>
+                <a:ea typeface="Calibri"/>
+                <a:cs typeface="Calibri"/>
+                <a:sym typeface="Calibri"/>
+              </a:rPr>
+            </a:br>
+            <a:endParaRPr sz="1050" b="0" i="0" u="none" strike="noStrike" cap="none" dirty="0">
+              <a:solidFill>
+                <a:schemeClr val="dk1"/>
+              </a:solidFill>
+              <a:latin typeface="Calibri"/>
+              <a:ea typeface="Calibri"/>
+              <a:cs typeface="Calibri"/>
+              <a:sym typeface="Calibri"/>
+            </a:endParaRPr>
+          </a:p>
+        </p:txBody>
+      </p:sp>
+      <p:sp>
+        <p:nvSpPr>
+          <p:cNvPr id="104" name="Google Shape;104;g62b903b8ea_0_60"/>
+          <p:cNvSpPr txBox="1"/>
+          <p:nvPr/>
+        </p:nvSpPr>
+        <p:spPr>
+          <a:xfrm>
+            <a:off x="304791" y="5878816"/>
+            <a:ext cx="5420700" cy="900300"/>
+          </a:xfrm>
+          <a:prstGeom prst="rect">
+            <a:avLst/>
+          </a:prstGeom>
+          <a:noFill/>
+          <a:ln>
+            <a:noFill/>
+          </a:ln>
+        </p:spPr>
+        <p:txBody>
+          <a:bodyPr spcFirstLastPara="1" wrap="square" lIns="91425" tIns="45700" rIns="91425" bIns="45700" anchor="t" anchorCtr="0">
+            <a:noAutofit/>
+          </a:bodyPr>
+          <a:lstStyle/>
+          <a:p>
+            <a:pPr marL="171450" lvl="0" indent="-171450">
+              <a:buSzPts val="1050"/>
+              <a:buFont typeface="Arial" panose="020B0604020202020204" pitchFamily="34" charset="0"/>
+              <a:buChar char="•"/>
+            </a:pPr>
+            <a:r>
+              <a:rPr lang="en-US" sz="1050" dirty="0" err="1">
+                <a:solidFill>
+                  <a:schemeClr val="dk1"/>
+                </a:solidFill>
+                <a:latin typeface="Calibri"/>
+                <a:ea typeface="Calibri"/>
+                <a:cs typeface="Calibri"/>
+                <a:sym typeface="Calibri"/>
+              </a:rPr>
+              <a:t>downsampling</a:t>
+            </a:r>
+            <a:r>
+              <a:rPr lang="ja-JP" altLang="en-US" sz="1050">
+                <a:solidFill>
+                  <a:schemeClr val="dk1"/>
+                </a:solidFill>
+                <a:latin typeface="Calibri"/>
+                <a:ea typeface="Calibri"/>
+                <a:cs typeface="Calibri"/>
+                <a:sym typeface="Calibri"/>
+              </a:rPr>
+              <a:t>と</a:t>
+            </a:r>
+            <a:r>
+              <a:rPr lang="en-US" sz="1050" dirty="0" err="1">
+                <a:solidFill>
+                  <a:schemeClr val="dk1"/>
+                </a:solidFill>
+                <a:latin typeface="Calibri"/>
+                <a:ea typeface="Calibri"/>
+                <a:cs typeface="Calibri"/>
+                <a:sym typeface="Calibri"/>
+              </a:rPr>
+              <a:t>upsampling</a:t>
+            </a:r>
+            <a:r>
+              <a:rPr lang="ja-JP" altLang="en-US" sz="1050">
+                <a:solidFill>
+                  <a:schemeClr val="dk1"/>
+                </a:solidFill>
+                <a:latin typeface="Calibri"/>
+                <a:ea typeface="Calibri"/>
+                <a:cs typeface="Calibri"/>
+                <a:sym typeface="Calibri"/>
+              </a:rPr>
+              <a:t>が対称的に構成されており、</a:t>
+            </a:r>
+            <a:r>
+              <a:rPr lang="en-US" altLang="ja-JP" sz="1050" dirty="0" err="1">
+                <a:solidFill>
+                  <a:schemeClr val="dk1"/>
+                </a:solidFill>
+                <a:latin typeface="Calibri"/>
+                <a:ea typeface="Calibri"/>
+                <a:cs typeface="Calibri"/>
+                <a:sym typeface="Calibri"/>
+              </a:rPr>
+              <a:t>downsampling</a:t>
+            </a:r>
+            <a:r>
+              <a:rPr lang="ja-JP" altLang="en-US" sz="1050">
+                <a:solidFill>
+                  <a:schemeClr val="dk1"/>
+                </a:solidFill>
+                <a:latin typeface="Calibri"/>
+                <a:ea typeface="Calibri"/>
+                <a:cs typeface="Calibri"/>
+                <a:sym typeface="Calibri"/>
+              </a:rPr>
+              <a:t>においては画像のサイズが縦横それぞれ半分になる際にチャネルの数を倍に増やしている</a:t>
+            </a:r>
+          </a:p>
+          <a:p>
+            <a:pPr marL="171450" lvl="0" indent="-171450">
+              <a:buSzPts val="1050"/>
+              <a:buFont typeface="Arial" panose="020B0604020202020204" pitchFamily="34" charset="0"/>
+              <a:buChar char="•"/>
+            </a:pPr>
+            <a:r>
+              <a:rPr lang="ja-JP" altLang="en-US" sz="1050">
+                <a:solidFill>
+                  <a:schemeClr val="dk1"/>
+                </a:solidFill>
+                <a:latin typeface="Calibri"/>
+                <a:ea typeface="Calibri"/>
+                <a:cs typeface="Calibri"/>
+                <a:sym typeface="Calibri"/>
+              </a:rPr>
+              <a:t>・</a:t>
+            </a:r>
+            <a:r>
+              <a:rPr lang="en-US" sz="1050" dirty="0" err="1">
+                <a:solidFill>
+                  <a:schemeClr val="dk1"/>
+                </a:solidFill>
+                <a:latin typeface="Calibri"/>
+                <a:ea typeface="Calibri"/>
+                <a:cs typeface="Calibri"/>
+                <a:sym typeface="Calibri"/>
+              </a:rPr>
+              <a:t>upsampling</a:t>
+            </a:r>
+            <a:r>
+              <a:rPr lang="ja-JP" altLang="en-US" sz="1050">
+                <a:solidFill>
+                  <a:schemeClr val="dk1"/>
+                </a:solidFill>
+                <a:latin typeface="Calibri"/>
+                <a:ea typeface="Calibri"/>
+                <a:cs typeface="Calibri"/>
+                <a:sym typeface="Calibri"/>
+              </a:rPr>
+              <a:t>の際は対称となる</a:t>
+            </a:r>
+            <a:r>
+              <a:rPr lang="en-US" sz="1050" dirty="0" err="1">
+                <a:solidFill>
+                  <a:schemeClr val="dk1"/>
+                </a:solidFill>
+                <a:latin typeface="Calibri"/>
+                <a:ea typeface="Calibri"/>
+                <a:cs typeface="Calibri"/>
+                <a:sym typeface="Calibri"/>
+              </a:rPr>
+              <a:t>downsampling</a:t>
+            </a:r>
+            <a:r>
+              <a:rPr lang="ja-JP" altLang="en-US" sz="1050">
+                <a:solidFill>
+                  <a:schemeClr val="dk1"/>
+                </a:solidFill>
+                <a:latin typeface="Calibri"/>
+                <a:ea typeface="Calibri"/>
+                <a:cs typeface="Calibri"/>
+                <a:sym typeface="Calibri"/>
+              </a:rPr>
+              <a:t>のパスから切り出した</a:t>
+            </a:r>
+            <a:r>
+              <a:rPr lang="en-US" altLang="ja-JP" sz="1050" dirty="0">
+                <a:solidFill>
+                  <a:schemeClr val="dk1"/>
+                </a:solidFill>
+                <a:latin typeface="Calibri"/>
+                <a:ea typeface="Calibri"/>
+                <a:cs typeface="Calibri"/>
+                <a:sym typeface="Calibri"/>
+              </a:rPr>
+              <a:t>(</a:t>
+            </a:r>
+            <a:r>
+              <a:rPr lang="en-US" sz="1050" dirty="0">
+                <a:solidFill>
+                  <a:schemeClr val="dk1"/>
+                </a:solidFill>
+                <a:latin typeface="Calibri"/>
+                <a:ea typeface="Calibri"/>
+                <a:cs typeface="Calibri"/>
+                <a:sym typeface="Calibri"/>
+              </a:rPr>
+              <a:t>cropped)</a:t>
+            </a:r>
+            <a:r>
+              <a:rPr lang="ja-JP" altLang="en-US" sz="1050">
+                <a:solidFill>
+                  <a:schemeClr val="dk1"/>
+                </a:solidFill>
+                <a:latin typeface="Calibri"/>
+                <a:ea typeface="Calibri"/>
+                <a:cs typeface="Calibri"/>
+                <a:sym typeface="Calibri"/>
+              </a:rPr>
+              <a:t>画像を足し合わせている。画像を切り出す理由は、畳み込み処理の際にパディングを行わないことで画像が小さくなってしまうのが理由</a:t>
+            </a:r>
+            <a:endParaRPr sz="1050" b="0" i="0" u="none" strike="noStrike" cap="none" dirty="0">
+              <a:solidFill>
+                <a:schemeClr val="dk1"/>
+              </a:solidFill>
+              <a:latin typeface="Calibri"/>
+              <a:ea typeface="Calibri"/>
+              <a:cs typeface="Calibri"/>
+              <a:sym typeface="Calibri"/>
+            </a:endParaRPr>
+          </a:p>
+        </p:txBody>
+      </p:sp>
+      <p:sp>
+        <p:nvSpPr>
+          <p:cNvPr id="105" name="Google Shape;105;g62b903b8ea_0_60"/>
+          <p:cNvSpPr txBox="1"/>
+          <p:nvPr/>
+        </p:nvSpPr>
+        <p:spPr>
+          <a:xfrm>
+            <a:off x="6463548" y="4126019"/>
+            <a:ext cx="5420700" cy="900300"/>
+          </a:xfrm>
+          <a:prstGeom prst="rect">
+            <a:avLst/>
+          </a:prstGeom>
+          <a:noFill/>
+          <a:ln>
+            <a:noFill/>
+          </a:ln>
+        </p:spPr>
+        <p:txBody>
+          <a:bodyPr spcFirstLastPara="1" wrap="square" lIns="91425" tIns="45700" rIns="91425" bIns="45700" anchor="t" anchorCtr="0">
+            <a:noAutofit/>
+          </a:bodyPr>
+          <a:lstStyle/>
+          <a:p>
+            <a:pPr marL="171450" lvl="0" indent="-171450">
+              <a:buSzPts val="1050"/>
+              <a:buFont typeface="Arial" panose="020B0604020202020204" pitchFamily="34" charset="0"/>
+              <a:buChar char="•"/>
+            </a:pPr>
+            <a:r>
+              <a:rPr lang="en" altLang="ja-JP" sz="1050" dirty="0">
+                <a:solidFill>
+                  <a:schemeClr val="dk1"/>
+                </a:solidFill>
+                <a:latin typeface="Calibri"/>
+                <a:ea typeface="Calibri"/>
+                <a:cs typeface="Calibri"/>
+                <a:sym typeface="Calibri"/>
+              </a:rPr>
+              <a:t>u-net</a:t>
+            </a:r>
+            <a:r>
+              <a:rPr lang="ja-JP" altLang="en-US" sz="1050">
+                <a:solidFill>
+                  <a:schemeClr val="dk1"/>
+                </a:solidFill>
+                <a:latin typeface="Calibri"/>
+                <a:ea typeface="Calibri"/>
+                <a:cs typeface="Calibri"/>
+                <a:sym typeface="Calibri"/>
+              </a:rPr>
+              <a:t>アーキテクチャは、生物医学で非常に優れたパフォーマンスを実現した。</a:t>
+            </a:r>
+            <a:endParaRPr sz="1050" b="0" i="0" u="none" strike="noStrike" cap="none" dirty="0">
+              <a:solidFill>
+                <a:schemeClr val="dk1"/>
+              </a:solidFill>
+              <a:latin typeface="Calibri"/>
+              <a:ea typeface="Calibri"/>
+              <a:cs typeface="Calibri"/>
+              <a:sym typeface="Calibri"/>
+            </a:endParaRPr>
+          </a:p>
+        </p:txBody>
+      </p:sp>
+      <p:sp>
+        <p:nvSpPr>
+          <p:cNvPr id="106" name="Google Shape;106;g62b903b8ea_0_60"/>
+          <p:cNvSpPr txBox="1"/>
+          <p:nvPr/>
+        </p:nvSpPr>
+        <p:spPr>
+          <a:xfrm>
+            <a:off x="304793" y="2446996"/>
+            <a:ext cx="5420700" cy="900300"/>
+          </a:xfrm>
+          <a:prstGeom prst="rect">
+            <a:avLst/>
+          </a:prstGeom>
+          <a:noFill/>
+          <a:ln>
+            <a:noFill/>
+          </a:ln>
+        </p:spPr>
+        <p:txBody>
+          <a:bodyPr spcFirstLastPara="1" wrap="square" lIns="91425" tIns="45700" rIns="91425" bIns="45700" anchor="t" anchorCtr="0">
+            <a:noAutofit/>
+          </a:bodyPr>
+          <a:lstStyle/>
+          <a:p>
+            <a:pPr marL="171450" lvl="0" indent="-171450">
+              <a:buSzPts val="1050"/>
+              <a:buFont typeface="Arial" panose="020B0604020202020204" pitchFamily="34" charset="0"/>
+              <a:buChar char="•"/>
+            </a:pPr>
+            <a:r>
+              <a:rPr lang="ja-JP" altLang="en-US" sz="1050">
+                <a:solidFill>
+                  <a:schemeClr val="dk1"/>
+                </a:solidFill>
+                <a:latin typeface="Calibri"/>
+                <a:ea typeface="Calibri"/>
+                <a:cs typeface="Calibri"/>
+                <a:sym typeface="Calibri"/>
+              </a:rPr>
+              <a:t>ネットワーク構造はコンテクストを掴むための収縮パスと正確なローカライゼーションを可能にする収縮パスに対称的な構造を持つ拡張パスによって構成されている</a:t>
+            </a:r>
+            <a:endParaRPr lang="en-US" altLang="ja-JP" sz="1050" dirty="0">
+              <a:solidFill>
+                <a:schemeClr val="dk1"/>
+              </a:solidFill>
+              <a:latin typeface="Calibri"/>
+              <a:ea typeface="Calibri"/>
+              <a:cs typeface="Calibri"/>
+              <a:sym typeface="Calibri"/>
+            </a:endParaRPr>
+          </a:p>
+          <a:p>
+            <a:pPr marL="171450" lvl="0" indent="-171450">
+              <a:buSzPts val="1050"/>
+              <a:buFont typeface="Arial" panose="020B0604020202020204" pitchFamily="34" charset="0"/>
+              <a:buChar char="•"/>
+            </a:pPr>
+            <a:r>
+              <a:rPr lang="en-US" sz="1050" dirty="0">
+                <a:solidFill>
+                  <a:schemeClr val="dk1"/>
+                </a:solidFill>
+                <a:latin typeface="Calibri"/>
+                <a:ea typeface="Calibri"/>
+                <a:cs typeface="Calibri"/>
+                <a:sym typeface="Calibri"/>
+              </a:rPr>
+              <a:t>U-Net</a:t>
+            </a:r>
+            <a:r>
+              <a:rPr lang="ja-JP" altLang="en-US" sz="1050">
+                <a:solidFill>
+                  <a:schemeClr val="dk1"/>
+                </a:solidFill>
+                <a:latin typeface="Calibri"/>
+                <a:ea typeface="Calibri"/>
+                <a:cs typeface="Calibri"/>
+                <a:sym typeface="Calibri"/>
+              </a:rPr>
+              <a:t>のネットワークがとても少ない訓練画像から</a:t>
+            </a:r>
+            <a:r>
+              <a:rPr lang="en-US" sz="1050" dirty="0">
+                <a:solidFill>
+                  <a:schemeClr val="dk1"/>
+                </a:solidFill>
+                <a:latin typeface="Calibri"/>
+                <a:ea typeface="Calibri"/>
+                <a:cs typeface="Calibri"/>
+                <a:sym typeface="Calibri"/>
+              </a:rPr>
+              <a:t>end-to-end</a:t>
+            </a:r>
+            <a:r>
+              <a:rPr lang="ja-JP" altLang="en-US" sz="1050">
+                <a:solidFill>
+                  <a:schemeClr val="dk1"/>
+                </a:solidFill>
+                <a:latin typeface="Calibri"/>
+                <a:ea typeface="Calibri"/>
+                <a:cs typeface="Calibri"/>
+                <a:sym typeface="Calibri"/>
+              </a:rPr>
+              <a:t>で学習し、</a:t>
+            </a:r>
+            <a:r>
+              <a:rPr lang="en-US" sz="1050" dirty="0">
+                <a:solidFill>
+                  <a:schemeClr val="dk1"/>
+                </a:solidFill>
+                <a:latin typeface="Calibri"/>
+                <a:ea typeface="Calibri"/>
+                <a:cs typeface="Calibri"/>
+                <a:sym typeface="Calibri"/>
+              </a:rPr>
+              <a:t>ISBI</a:t>
+            </a:r>
+            <a:r>
+              <a:rPr lang="ja-JP" altLang="en-US" sz="1050">
+                <a:solidFill>
+                  <a:schemeClr val="dk1"/>
+                </a:solidFill>
+                <a:latin typeface="Calibri"/>
+                <a:ea typeface="Calibri"/>
+                <a:cs typeface="Calibri"/>
+                <a:sym typeface="Calibri"/>
+              </a:rPr>
+              <a:t>チャレンジにおけるセグメンテーションにおいて従来のベストな手法（</a:t>
+            </a:r>
+            <a:r>
+              <a:rPr lang="en-US" sz="1050" dirty="0">
+                <a:solidFill>
+                  <a:schemeClr val="dk1"/>
+                </a:solidFill>
+                <a:latin typeface="Calibri"/>
+                <a:ea typeface="Calibri"/>
+                <a:cs typeface="Calibri"/>
+                <a:sym typeface="Calibri"/>
+              </a:rPr>
+              <a:t>sliding-window convolutional </a:t>
+            </a:r>
+            <a:r>
+              <a:rPr lang="en-US" sz="1050" dirty="0" err="1">
+                <a:solidFill>
+                  <a:schemeClr val="dk1"/>
+                </a:solidFill>
+                <a:latin typeface="Calibri"/>
+                <a:ea typeface="Calibri"/>
+                <a:cs typeface="Calibri"/>
+                <a:sym typeface="Calibri"/>
+              </a:rPr>
+              <a:t>netowrk</a:t>
+            </a:r>
+            <a:r>
+              <a:rPr lang="en-US" sz="1050" dirty="0">
+                <a:solidFill>
+                  <a:schemeClr val="dk1"/>
+                </a:solidFill>
+                <a:latin typeface="Calibri"/>
+                <a:ea typeface="Calibri"/>
+                <a:cs typeface="Calibri"/>
+                <a:sym typeface="Calibri"/>
+              </a:rPr>
+              <a:t>）</a:t>
+            </a:r>
+            <a:r>
+              <a:rPr lang="ja-JP" altLang="en-US" sz="1050">
+                <a:solidFill>
+                  <a:schemeClr val="dk1"/>
+                </a:solidFill>
+                <a:latin typeface="Calibri"/>
+                <a:ea typeface="Calibri"/>
+                <a:cs typeface="Calibri"/>
+                <a:sym typeface="Calibri"/>
+              </a:rPr>
+              <a:t>を上回ったことを示している</a:t>
+            </a:r>
+            <a:br>
+              <a:rPr lang="en-US" sz="1050" b="0" i="0" u="none" strike="noStrike" cap="none" dirty="0">
+                <a:solidFill>
+                  <a:schemeClr val="dk1"/>
+                </a:solidFill>
+                <a:latin typeface="Calibri"/>
+                <a:ea typeface="Calibri"/>
+                <a:cs typeface="Calibri"/>
+                <a:sym typeface="Calibri"/>
+              </a:rPr>
+            </a:br>
+            <a:br>
+              <a:rPr lang="en-US" sz="1050" b="0" i="0" u="none" strike="noStrike" cap="none" dirty="0">
+                <a:solidFill>
+                  <a:schemeClr val="dk1"/>
+                </a:solidFill>
+                <a:latin typeface="Calibri"/>
+                <a:ea typeface="Calibri"/>
+                <a:cs typeface="Calibri"/>
+                <a:sym typeface="Calibri"/>
+              </a:rPr>
+            </a:br>
+            <a:endParaRPr sz="1050" b="0" i="0" u="none" strike="noStrike" cap="none" dirty="0">
+              <a:solidFill>
+                <a:schemeClr val="dk1"/>
+              </a:solidFill>
+              <a:latin typeface="Calibri"/>
+              <a:ea typeface="Calibri"/>
+              <a:cs typeface="Calibri"/>
+              <a:sym typeface="Calibri"/>
+            </a:endParaRPr>
+          </a:p>
+        </p:txBody>
+      </p:sp>
+      <p:grpSp>
+        <p:nvGrpSpPr>
+          <p:cNvPr id="107" name="Google Shape;107;g62b903b8ea_0_60"/>
+          <p:cNvGrpSpPr/>
+          <p:nvPr/>
+        </p:nvGrpSpPr>
+        <p:grpSpPr>
+          <a:xfrm>
+            <a:off x="-104111" y="20937"/>
+            <a:ext cx="12369612" cy="1635900"/>
+            <a:chOff x="19874" y="23043"/>
+            <a:chExt cx="12369612" cy="1635900"/>
+          </a:xfrm>
+        </p:grpSpPr>
+        <p:sp>
+          <p:nvSpPr>
+            <p:cNvPr id="108" name="Google Shape;108;g62b903b8ea_0_60"/>
+            <p:cNvSpPr/>
+            <p:nvPr/>
+          </p:nvSpPr>
+          <p:spPr>
+            <a:xfrm>
+              <a:off x="123986" y="23043"/>
+              <a:ext cx="12192000" cy="1635900"/>
+            </a:xfrm>
+            <a:prstGeom prst="rect">
+              <a:avLst/>
+            </a:prstGeom>
+            <a:solidFill>
+              <a:srgbClr val="595959">
+                <a:alpha val="85490"/>
+              </a:srgbClr>
+            </a:solidFill>
+            <a:ln w="12700" cap="flat" cmpd="sng">
+              <a:solidFill>
+                <a:srgbClr val="31538F"/>
+              </a:solidFill>
+              <a:prstDash val="solid"/>
+              <a:miter lim="800000"/>
+              <a:headEnd type="none" w="sm" len="sm"/>
+              <a:tailEnd type="none" w="sm" len="sm"/>
+            </a:ln>
+          </p:spPr>
+          <p:txBody>
+            <a:bodyPr spcFirstLastPara="1" wrap="square" lIns="91425" tIns="45700" rIns="91425" bIns="45700" anchor="ctr" anchorCtr="0">
+              <a:noAutofit/>
+            </a:bodyPr>
+            <a:lstStyle/>
+            <a:p>
+              <a:pPr marL="0" marR="0" lvl="0" indent="0" algn="ctr" rtl="0">
+                <a:lnSpc>
+                  <a:spcPct val="100000"/>
+                </a:lnSpc>
+                <a:spcBef>
+                  <a:spcPts val="0"/>
+                </a:spcBef>
+                <a:spcAft>
+                  <a:spcPts val="0"/>
+                </a:spcAft>
+                <a:buClr>
+                  <a:srgbClr val="000000"/>
+                </a:buClr>
+                <a:buSzPts val="1800"/>
+                <a:buFont typeface="Arial"/>
+                <a:buNone/>
+              </a:pPr>
+              <a:endParaRPr sz="1800" b="0" i="0" u="none" strike="noStrike" cap="none">
+                <a:solidFill>
+                  <a:schemeClr val="lt1"/>
+                </a:solidFill>
+                <a:latin typeface="Calibri"/>
+                <a:ea typeface="Calibri"/>
+                <a:cs typeface="Calibri"/>
+                <a:sym typeface="Calibri"/>
+              </a:endParaRPr>
+            </a:p>
+          </p:txBody>
+        </p:sp>
+        <p:sp>
+          <p:nvSpPr>
+            <p:cNvPr id="109" name="Google Shape;109;g62b903b8ea_0_60"/>
+            <p:cNvSpPr txBox="1"/>
+            <p:nvPr/>
+          </p:nvSpPr>
+          <p:spPr>
+            <a:xfrm>
+              <a:off x="19874" y="58425"/>
+              <a:ext cx="12369612" cy="831000"/>
+            </a:xfrm>
+            <a:prstGeom prst="rect">
+              <a:avLst/>
+            </a:prstGeom>
+            <a:noFill/>
+            <a:ln>
+              <a:noFill/>
+            </a:ln>
+          </p:spPr>
+          <p:txBody>
+            <a:bodyPr spcFirstLastPara="1" wrap="square" lIns="91425" tIns="45700" rIns="91425" bIns="45700" anchor="t" anchorCtr="0">
+              <a:noAutofit/>
+            </a:bodyPr>
+            <a:lstStyle/>
+            <a:p>
+              <a:pPr lvl="0" algn="ctr">
+                <a:buSzPts val="1600"/>
+              </a:pPr>
+              <a:r>
+                <a:rPr lang="en" sz="3200" b="1" dirty="0">
+                  <a:solidFill>
+                    <a:schemeClr val="lt1"/>
+                  </a:solidFill>
+                  <a:latin typeface="Calibri"/>
+                  <a:ea typeface="Calibri"/>
+                  <a:cs typeface="Calibri"/>
+                  <a:sym typeface="Calibri"/>
+                </a:rPr>
+                <a:t>U-Net:</a:t>
+              </a:r>
+            </a:p>
+            <a:p>
+              <a:pPr lvl="0" algn="ctr">
+                <a:buSzPts val="1600"/>
+              </a:pPr>
+              <a:r>
+                <a:rPr lang="en" sz="3200" b="1" dirty="0">
+                  <a:solidFill>
+                    <a:schemeClr val="lt1"/>
+                  </a:solidFill>
+                  <a:latin typeface="Calibri"/>
+                  <a:ea typeface="Calibri"/>
+                  <a:cs typeface="Calibri"/>
+                  <a:sym typeface="Calibri"/>
+                </a:rPr>
+                <a:t> Convolutional Networks for </a:t>
+              </a:r>
+              <a:r>
+                <a:rPr lang="en" sz="3200" b="1" dirty="0" err="1">
+                  <a:solidFill>
+                    <a:schemeClr val="lt1"/>
+                  </a:solidFill>
+                  <a:latin typeface="Calibri"/>
+                  <a:ea typeface="Calibri"/>
+                  <a:cs typeface="Calibri"/>
+                  <a:sym typeface="Calibri"/>
+                </a:rPr>
+                <a:t>BiomedicalImage</a:t>
+              </a:r>
+              <a:r>
+                <a:rPr lang="en" sz="3200" b="1" dirty="0">
+                  <a:solidFill>
+                    <a:schemeClr val="lt1"/>
+                  </a:solidFill>
+                  <a:latin typeface="Calibri"/>
+                  <a:ea typeface="Calibri"/>
+                  <a:cs typeface="Calibri"/>
+                  <a:sym typeface="Calibri"/>
+                </a:rPr>
+                <a:t> Segmentation</a:t>
+              </a:r>
+              <a:endParaRPr sz="3200" b="1" i="0" u="none" strike="noStrike" cap="none" dirty="0">
+                <a:solidFill>
+                  <a:schemeClr val="lt1"/>
+                </a:solidFill>
+                <a:latin typeface="Calibri"/>
+                <a:ea typeface="Calibri"/>
+                <a:cs typeface="Calibri"/>
+                <a:sym typeface="Calibri"/>
+              </a:endParaRPr>
+            </a:p>
+          </p:txBody>
+        </p:sp>
+        <p:sp>
+          <p:nvSpPr>
+            <p:cNvPr id="110" name="Google Shape;110;g62b903b8ea_0_60"/>
+            <p:cNvSpPr txBox="1"/>
+            <p:nvPr/>
+          </p:nvSpPr>
+          <p:spPr>
+            <a:xfrm>
+              <a:off x="1075601" y="898794"/>
+              <a:ext cx="10040798" cy="307800"/>
+            </a:xfrm>
+            <a:prstGeom prst="rect">
+              <a:avLst/>
+            </a:prstGeom>
+            <a:noFill/>
+            <a:ln>
+              <a:noFill/>
+            </a:ln>
+          </p:spPr>
+          <p:txBody>
+            <a:bodyPr spcFirstLastPara="1" wrap="square" lIns="91425" tIns="45700" rIns="91425" bIns="45700" anchor="t" anchorCtr="0">
+              <a:noAutofit/>
+            </a:bodyPr>
+            <a:lstStyle/>
+            <a:p>
+              <a:pPr lvl="0" algn="ctr">
+                <a:buSzPts val="1400"/>
+              </a:pPr>
+              <a:r>
+                <a:rPr lang="en-US" sz="1600" dirty="0">
+                  <a:solidFill>
+                    <a:schemeClr val="lt1"/>
+                  </a:solidFill>
+                  <a:latin typeface="Calibri"/>
+                  <a:ea typeface="Calibri"/>
+                  <a:cs typeface="Calibri"/>
+                  <a:sym typeface="Calibri"/>
+                </a:rPr>
+                <a:t>2015</a:t>
+              </a:r>
+            </a:p>
+            <a:p>
+              <a:pPr lvl="0" algn="ctr">
+                <a:buSzPts val="1400"/>
+              </a:pPr>
+              <a:r>
+                <a:rPr lang="en-US" sz="1600" dirty="0">
+                  <a:solidFill>
+                    <a:schemeClr val="lt1"/>
+                  </a:solidFill>
+                  <a:latin typeface="Calibri"/>
+                  <a:ea typeface="Calibri"/>
+                  <a:cs typeface="Calibri"/>
+                  <a:sym typeface="Calibri"/>
+                </a:rPr>
+                <a:t>Olaf </a:t>
+              </a:r>
+              <a:r>
+                <a:rPr lang="en-US" sz="1600" dirty="0" err="1">
+                  <a:solidFill>
+                    <a:schemeClr val="lt1"/>
+                  </a:solidFill>
+                  <a:latin typeface="Calibri"/>
+                  <a:ea typeface="Calibri"/>
+                  <a:cs typeface="Calibri"/>
+                  <a:sym typeface="Calibri"/>
+                </a:rPr>
+                <a:t>Ronneberger</a:t>
+              </a:r>
+              <a:r>
+                <a:rPr lang="en-US" sz="1600" dirty="0">
+                  <a:solidFill>
+                    <a:schemeClr val="lt1"/>
+                  </a:solidFill>
+                  <a:latin typeface="Calibri"/>
+                  <a:ea typeface="Calibri"/>
+                  <a:cs typeface="Calibri"/>
+                  <a:sym typeface="Calibri"/>
+                </a:rPr>
+                <a:t>, Philipp Fischer, Thomas </a:t>
+              </a:r>
+              <a:r>
+                <a:rPr lang="en-US" sz="1600" dirty="0" err="1">
+                  <a:solidFill>
+                    <a:schemeClr val="lt1"/>
+                  </a:solidFill>
+                  <a:latin typeface="Calibri"/>
+                  <a:ea typeface="Calibri"/>
+                  <a:cs typeface="Calibri"/>
+                  <a:sym typeface="Calibri"/>
+                </a:rPr>
+                <a:t>Brox</a:t>
+              </a:r>
+              <a:endParaRPr lang="en-US" sz="1600" dirty="0">
+                <a:solidFill>
+                  <a:schemeClr val="lt1"/>
+                </a:solidFill>
+                <a:latin typeface="Calibri"/>
+                <a:ea typeface="Calibri"/>
+                <a:cs typeface="Calibri"/>
+                <a:sym typeface="Calibri"/>
+              </a:endParaRPr>
+            </a:p>
+          </p:txBody>
+        </p:sp>
+        <p:sp>
+          <p:nvSpPr>
+            <p:cNvPr id="111" name="Google Shape;111;g62b903b8ea_0_60"/>
+            <p:cNvSpPr txBox="1"/>
+            <p:nvPr/>
+          </p:nvSpPr>
+          <p:spPr>
+            <a:xfrm>
+              <a:off x="2667000" y="1352443"/>
+              <a:ext cx="6858000" cy="276900"/>
+            </a:xfrm>
+            <a:prstGeom prst="rect">
+              <a:avLst/>
+            </a:prstGeom>
+            <a:noFill/>
+            <a:ln>
+              <a:noFill/>
+            </a:ln>
+          </p:spPr>
+          <p:txBody>
+            <a:bodyPr spcFirstLastPara="1" wrap="square" lIns="91425" tIns="45700" rIns="91425" bIns="45700" anchor="t" anchorCtr="0">
+              <a:noAutofit/>
+            </a:bodyPr>
+            <a:lstStyle/>
+            <a:p>
+              <a:pPr lvl="0" algn="ctr">
+                <a:buSzPts val="1200"/>
+              </a:pPr>
+              <a:r>
+                <a:rPr lang="en-US" sz="1200" u="sng" dirty="0">
+                  <a:solidFill>
+                    <a:schemeClr val="lt1"/>
+                  </a:solidFill>
+                </a:rPr>
+                <a:t>https://</a:t>
+              </a:r>
+              <a:r>
+                <a:rPr lang="en-US" sz="1200" u="sng" dirty="0" err="1">
+                  <a:solidFill>
+                    <a:schemeClr val="lt1"/>
+                  </a:solidFill>
+                </a:rPr>
+                <a:t>arxiv.org</a:t>
+              </a:r>
+              <a:r>
+                <a:rPr lang="en-US" sz="1200" u="sng" dirty="0">
+                  <a:solidFill>
+                    <a:schemeClr val="lt1"/>
+                  </a:solidFill>
+                </a:rPr>
+                <a:t>/abs/1505.04597</a:t>
+              </a:r>
+              <a:r>
+                <a:rPr lang="en-US" sz="1200" b="0" i="0" u="none" strike="noStrike" cap="none" dirty="0">
+                  <a:solidFill>
+                    <a:schemeClr val="lt1"/>
+                  </a:solidFill>
+                  <a:latin typeface="Arial"/>
+                  <a:ea typeface="Arial"/>
+                  <a:cs typeface="Arial"/>
+                  <a:sym typeface="Arial"/>
+                </a:rPr>
+                <a:t> </a:t>
+              </a:r>
+              <a:endParaRPr sz="1200" b="0" i="0" u="none" strike="noStrike" cap="none" dirty="0">
+                <a:solidFill>
+                  <a:schemeClr val="lt1"/>
+                </a:solidFill>
+                <a:latin typeface="Arial"/>
+                <a:ea typeface="Arial"/>
+                <a:cs typeface="Arial"/>
+                <a:sym typeface="Arial"/>
+              </a:endParaRPr>
+            </a:p>
+          </p:txBody>
+        </p:sp>
+      </p:grpSp>
+    </p:spTree>
+    <p:extLst>
+      <p:ext uri="{BB962C8B-B14F-4D97-AF65-F5344CB8AC3E}">
         <p14:creationId xmlns:p14="http://schemas.microsoft.com/office/powerpoint/2010/main" val="1800095320"/>
       </p:ext>
     </p:extLst>
